--- a/Python CodeKata.pptx
+++ b/Python CodeKata.pptx
@@ -321,7 +321,7 @@
           <a:p>
             <a:fld id="{FFA59070-2EFF-44D4-83C5-F2F7D5649214}" type="datetimeFigureOut">
               <a:rPr lang="en-GB" smtClean="0"/>
-              <a:t>18/01/2020</a:t>
+              <a:t>20/11/2020</a:t>
             </a:fld>
             <a:endParaRPr lang="en-GB"/>
           </a:p>
@@ -602,7 +602,7 @@
           <a:p>
             <a:fld id="{FFA59070-2EFF-44D4-83C5-F2F7D5649214}" type="datetimeFigureOut">
               <a:rPr lang="en-GB" smtClean="0"/>
-              <a:t>18/01/2020</a:t>
+              <a:t>20/11/2020</a:t>
             </a:fld>
             <a:endParaRPr lang="en-GB"/>
           </a:p>
@@ -794,7 +794,7 @@
           <a:p>
             <a:fld id="{FFA59070-2EFF-44D4-83C5-F2F7D5649214}" type="datetimeFigureOut">
               <a:rPr lang="en-GB" smtClean="0"/>
-              <a:t>18/01/2020</a:t>
+              <a:t>20/11/2020</a:t>
             </a:fld>
             <a:endParaRPr lang="en-GB"/>
           </a:p>
@@ -1055,7 +1055,7 @@
           <a:p>
             <a:fld id="{FFA59070-2EFF-44D4-83C5-F2F7D5649214}" type="datetimeFigureOut">
               <a:rPr lang="en-GB" smtClean="0"/>
-              <a:t>18/01/2020</a:t>
+              <a:t>20/11/2020</a:t>
             </a:fld>
             <a:endParaRPr lang="en-GB"/>
           </a:p>
@@ -1481,7 +1481,7 @@
           <a:p>
             <a:fld id="{FFA59070-2EFF-44D4-83C5-F2F7D5649214}" type="datetimeFigureOut">
               <a:rPr lang="en-GB" smtClean="0"/>
-              <a:t>18/01/2020</a:t>
+              <a:t>20/11/2020</a:t>
             </a:fld>
             <a:endParaRPr lang="en-GB"/>
           </a:p>
@@ -2027,7 +2027,7 @@
           <a:p>
             <a:fld id="{FFA59070-2EFF-44D4-83C5-F2F7D5649214}" type="datetimeFigureOut">
               <a:rPr lang="en-GB" smtClean="0"/>
-              <a:t>18/01/2020</a:t>
+              <a:t>20/11/2020</a:t>
             </a:fld>
             <a:endParaRPr lang="en-GB"/>
           </a:p>
@@ -2858,7 +2858,7 @@
           <a:p>
             <a:fld id="{FFA59070-2EFF-44D4-83C5-F2F7D5649214}" type="datetimeFigureOut">
               <a:rPr lang="en-GB" smtClean="0"/>
-              <a:t>18/01/2020</a:t>
+              <a:t>20/11/2020</a:t>
             </a:fld>
             <a:endParaRPr lang="en-GB"/>
           </a:p>
@@ -3028,7 +3028,7 @@
           <a:p>
             <a:fld id="{FFA59070-2EFF-44D4-83C5-F2F7D5649214}" type="datetimeFigureOut">
               <a:rPr lang="en-GB" smtClean="0"/>
-              <a:t>18/01/2020</a:t>
+              <a:t>20/11/2020</a:t>
             </a:fld>
             <a:endParaRPr lang="en-GB"/>
           </a:p>
@@ -3208,7 +3208,7 @@
           <a:p>
             <a:fld id="{FFA59070-2EFF-44D4-83C5-F2F7D5649214}" type="datetimeFigureOut">
               <a:rPr lang="en-GB" smtClean="0"/>
-              <a:t>18/01/2020</a:t>
+              <a:t>20/11/2020</a:t>
             </a:fld>
             <a:endParaRPr lang="en-GB"/>
           </a:p>
@@ -3378,7 +3378,7 @@
           <a:p>
             <a:fld id="{FFA59070-2EFF-44D4-83C5-F2F7D5649214}" type="datetimeFigureOut">
               <a:rPr lang="en-GB" smtClean="0"/>
-              <a:t>18/01/2020</a:t>
+              <a:t>20/11/2020</a:t>
             </a:fld>
             <a:endParaRPr lang="en-GB"/>
           </a:p>
@@ -3635,7 +3635,7 @@
           <a:p>
             <a:fld id="{FFA59070-2EFF-44D4-83C5-F2F7D5649214}" type="datetimeFigureOut">
               <a:rPr lang="en-GB" smtClean="0"/>
-              <a:t>18/01/2020</a:t>
+              <a:t>20/11/2020</a:t>
             </a:fld>
             <a:endParaRPr lang="en-GB"/>
           </a:p>
@@ -3867,7 +3867,7 @@
           <a:p>
             <a:fld id="{FFA59070-2EFF-44D4-83C5-F2F7D5649214}" type="datetimeFigureOut">
               <a:rPr lang="en-GB" smtClean="0"/>
-              <a:t>18/01/2020</a:t>
+              <a:t>20/11/2020</a:t>
             </a:fld>
             <a:endParaRPr lang="en-GB"/>
           </a:p>
@@ -4260,7 +4260,7 @@
           <a:p>
             <a:fld id="{FFA59070-2EFF-44D4-83C5-F2F7D5649214}" type="datetimeFigureOut">
               <a:rPr lang="en-GB" smtClean="0"/>
-              <a:t>18/01/2020</a:t>
+              <a:t>20/11/2020</a:t>
             </a:fld>
             <a:endParaRPr lang="en-GB"/>
           </a:p>
@@ -4378,7 +4378,7 @@
           <a:p>
             <a:fld id="{FFA59070-2EFF-44D4-83C5-F2F7D5649214}" type="datetimeFigureOut">
               <a:rPr lang="en-GB" smtClean="0"/>
-              <a:t>18/01/2020</a:t>
+              <a:t>20/11/2020</a:t>
             </a:fld>
             <a:endParaRPr lang="en-GB"/>
           </a:p>
@@ -4473,7 +4473,7 @@
           <a:p>
             <a:fld id="{FFA59070-2EFF-44D4-83C5-F2F7D5649214}" type="datetimeFigureOut">
               <a:rPr lang="en-GB" smtClean="0"/>
-              <a:t>18/01/2020</a:t>
+              <a:t>20/11/2020</a:t>
             </a:fld>
             <a:endParaRPr lang="en-GB"/>
           </a:p>
@@ -4746,7 +4746,7 @@
           <a:p>
             <a:fld id="{FFA59070-2EFF-44D4-83C5-F2F7D5649214}" type="datetimeFigureOut">
               <a:rPr lang="en-GB" smtClean="0"/>
-              <a:t>18/01/2020</a:t>
+              <a:t>20/11/2020</a:t>
             </a:fld>
             <a:endParaRPr lang="en-GB"/>
           </a:p>
@@ -5027,7 +5027,7 @@
           <a:p>
             <a:fld id="{FFA59070-2EFF-44D4-83C5-F2F7D5649214}" type="datetimeFigureOut">
               <a:rPr lang="en-GB" smtClean="0"/>
-              <a:t>18/01/2020</a:t>
+              <a:t>20/11/2020</a:t>
             </a:fld>
             <a:endParaRPr lang="en-GB"/>
           </a:p>
@@ -5267,7 +5267,7 @@
           <a:p>
             <a:fld id="{FFA59070-2EFF-44D4-83C5-F2F7D5649214}" type="datetimeFigureOut">
               <a:rPr lang="en-GB" smtClean="0"/>
-              <a:t>18/01/2020</a:t>
+              <a:t>20/11/2020</a:t>
             </a:fld>
             <a:endParaRPr lang="en-GB"/>
           </a:p>
@@ -6014,9 +6014,12 @@
             <a:endParaRPr lang="en-GB" dirty="0"/>
           </a:p>
           <a:p>
-            <a:r>
-              <a:rPr lang="en-GB" dirty="0"/>
-              <a:t>Practice creating your own module for import</a:t>
+            <a:pPr marL="0" indent="0">
+              <a:buNone/>
+            </a:pPr>
+            <a:r>
+              <a:rPr lang="en-GB" dirty="0"/>
+              <a:t>Practice – imports.py</a:t>
             </a:r>
           </a:p>
         </p:txBody>
@@ -6189,9 +6192,12 @@
             <a:endParaRPr lang="en-GB" dirty="0"/>
           </a:p>
           <a:p>
-            <a:r>
-              <a:rPr lang="en-GB" dirty="0"/>
-              <a:t>Demo</a:t>
+            <a:pPr marL="0" indent="0">
+              <a:buNone/>
+            </a:pPr>
+            <a:r>
+              <a:rPr lang="en-GB" dirty="0"/>
+              <a:t>Practice – try_except_finally.py</a:t>
             </a:r>
           </a:p>
           <a:p>
@@ -6450,15 +6456,8 @@
           <a:p>
             <a:r>
               <a:rPr lang="en-GB" dirty="0"/>
-              <a:t>Example located in </a:t>
-            </a:r>
-            <a:r>
-              <a:rPr lang="en-GB" dirty="0">
-                <a:hlinkClick r:id="rId2"/>
-              </a:rPr>
-              <a:t>https://github.totaljobsgroup.com/IsaacLlopis/pyKata/tree/master/src/01_python_basics</a:t>
-            </a:r>
-            <a:endParaRPr lang="en-GB" dirty="0"/>
+              <a:t>Practice – https://stash.stepstone.com/projects/KT/repos/python-intro-kata/browse/src/01_python_basics/connect_db_sample.py</a:t>
+            </a:r>
           </a:p>
         </p:txBody>
       </p:sp>
@@ -6691,6 +6690,24 @@
           <a:p>
             <a:endParaRPr lang="en-GB" dirty="0"/>
           </a:p>
+          <a:p>
+            <a:pPr marL="0" indent="0">
+              <a:buNone/>
+            </a:pPr>
+            <a:r>
+              <a:rPr lang="en-GB" dirty="0"/>
+              <a:t>Repository for examples:</a:t>
+            </a:r>
+          </a:p>
+          <a:p>
+            <a:pPr marL="0" indent="0">
+              <a:buNone/>
+            </a:pPr>
+            <a:r>
+              <a:rPr lang="en-GB" dirty="0"/>
+              <a:t>https://stash.stepstone.com/scm/kt/python-intro-kata</a:t>
+            </a:r>
+          </a:p>
         </p:txBody>
       </p:sp>
     </p:spTree>
@@ -6929,6 +6946,30 @@
             </a:r>
           </a:p>
           <a:p>
+            <a:pPr lvl="1"/>
+            <a:r>
+              <a:rPr lang="en-GB" dirty="0"/>
+              <a:t>Scope</a:t>
+            </a:r>
+          </a:p>
+          <a:p>
+            <a:pPr lvl="1"/>
+            <a:endParaRPr lang="en-GB" dirty="0"/>
+          </a:p>
+          <a:p>
+            <a:pPr lvl="1"/>
+            <a:endParaRPr lang="en-GB" dirty="0"/>
+          </a:p>
+          <a:p>
+            <a:pPr marL="0" indent="0">
+              <a:buNone/>
+            </a:pPr>
+            <a:r>
+              <a:rPr lang="en-GB" dirty="0"/>
+              <a:t>Practice – variables.py</a:t>
+            </a:r>
+          </a:p>
+          <a:p>
             <a:endParaRPr lang="en-GB" dirty="0"/>
           </a:p>
         </p:txBody>
@@ -7047,6 +7088,27 @@
               <a:t>    print("false")</a:t>
             </a:r>
           </a:p>
+          <a:p>
+            <a:pPr marL="0" indent="0">
+              <a:buNone/>
+            </a:pPr>
+            <a:endParaRPr lang="en-GB" dirty="0"/>
+          </a:p>
+          <a:p>
+            <a:pPr marL="0" indent="0">
+              <a:buNone/>
+            </a:pPr>
+            <a:endParaRPr lang="en-GB" dirty="0"/>
+          </a:p>
+          <a:p>
+            <a:pPr marL="0" indent="0">
+              <a:buNone/>
+            </a:pPr>
+            <a:r>
+              <a:rPr lang="en-GB" dirty="0"/>
+              <a:t>Practice – conditional.py</a:t>
+            </a:r>
+          </a:p>
         </p:txBody>
       </p:sp>
     </p:spTree>
@@ -7123,10 +7185,15 @@
             <p:ph idx="1"/>
           </p:nvPr>
         </p:nvSpPr>
-        <p:spPr/>
+        <p:spPr>
+          <a:xfrm>
+            <a:off x="1120000" y="1562100"/>
+            <a:ext cx="10233800" cy="4614863"/>
+          </a:xfrm>
+        </p:spPr>
         <p:txBody>
           <a:bodyPr>
-            <a:normAutofit lnSpcReduction="10000"/>
+            <a:normAutofit fontScale="70000" lnSpcReduction="20000"/>
           </a:bodyPr>
           <a:lstStyle/>
           <a:p>
@@ -7181,6 +7248,21 @@
             <a:endParaRPr lang="en-GB" dirty="0"/>
           </a:p>
           <a:p>
+            <a:pPr marL="0" indent="0">
+              <a:buNone/>
+            </a:pPr>
+            <a:r>
+              <a:rPr lang="en-GB" dirty="0"/>
+              <a:t>Practice – while_loop.py</a:t>
+            </a:r>
+          </a:p>
+          <a:p>
+            <a:pPr marL="0" indent="0">
+              <a:buNone/>
+            </a:pPr>
+            <a:endParaRPr lang="en-GB" dirty="0"/>
+          </a:p>
+          <a:p>
             <a:r>
               <a:rPr lang="en-GB" dirty="0"/>
               <a:t>For loop</a:t>
@@ -7194,6 +7276,33 @@
               <a:rPr lang="en-GB" dirty="0"/>
               <a:t>Iterating through a collection</a:t>
             </a:r>
+          </a:p>
+          <a:p>
+            <a:pPr marL="0" indent="0">
+              <a:buNone/>
+            </a:pPr>
+            <a:endParaRPr lang="en-GB" dirty="0"/>
+          </a:p>
+          <a:p>
+            <a:pPr marL="0" indent="0">
+              <a:buNone/>
+            </a:pPr>
+            <a:r>
+              <a:rPr lang="en-GB" dirty="0"/>
+              <a:t>Practice – for_loop.py</a:t>
+            </a:r>
+          </a:p>
+          <a:p>
+            <a:pPr marL="0" indent="0">
+              <a:buNone/>
+            </a:pPr>
+            <a:endParaRPr lang="en-GB" dirty="0"/>
+          </a:p>
+          <a:p>
+            <a:pPr marL="0" indent="0">
+              <a:buNone/>
+            </a:pPr>
+            <a:endParaRPr lang="en-GB" dirty="0"/>
           </a:p>
         </p:txBody>
       </p:sp>
@@ -7434,7 +7543,7 @@
         </p:spPr>
         <p:txBody>
           <a:bodyPr>
-            <a:normAutofit fontScale="70000" lnSpcReduction="20000"/>
+            <a:normAutofit fontScale="77500" lnSpcReduction="20000"/>
           </a:bodyPr>
           <a:lstStyle/>
           <a:p>
@@ -7518,82 +7627,20 @@
           <a:p>
             <a:r>
               <a:rPr lang="en-GB" dirty="0"/>
-              <a:t>Loop through a dictionary:</a:t>
-            </a:r>
+              <a:t>Loop through a dictionary</a:t>
+            </a:r>
+          </a:p>
+          <a:p>
+            <a:endParaRPr lang="en-GB" dirty="0"/>
           </a:p>
           <a:p>
             <a:pPr marL="0" indent="0">
               <a:buNone/>
             </a:pPr>
             <a:r>
-              <a:rPr lang="en-GB" dirty="0" err="1"/>
-              <a:t>dict_countries</a:t>
-            </a:r>
-            <a:r>
-              <a:rPr lang="en-GB" dirty="0"/>
-              <a:t> = {"</a:t>
-            </a:r>
-            <a:r>
-              <a:rPr lang="en-GB" dirty="0" err="1"/>
-              <a:t>Ireland":"Dublin</a:t>
-            </a:r>
-            <a:r>
-              <a:rPr lang="en-GB" dirty="0"/>
-              <a:t>", "</a:t>
-            </a:r>
-            <a:r>
-              <a:rPr lang="en-GB" dirty="0" err="1"/>
-              <a:t>England":"London</a:t>
-            </a:r>
-            <a:r>
-              <a:rPr lang="en-GB" dirty="0"/>
-              <a:t>", "</a:t>
-            </a:r>
-            <a:r>
-              <a:rPr lang="en-GB" dirty="0" err="1"/>
-              <a:t>Japan":"Tokyo</a:t>
-            </a:r>
-            <a:r>
-              <a:rPr lang="en-GB" dirty="0"/>
-              <a:t>"}</a:t>
-            </a:r>
-          </a:p>
-          <a:p>
-            <a:pPr marL="0" indent="0">
-              <a:buNone/>
-            </a:pPr>
-            <a:r>
-              <a:rPr lang="en-GB" dirty="0"/>
-              <a:t>for city in </a:t>
-            </a:r>
-            <a:r>
-              <a:rPr lang="en-GB" dirty="0" err="1"/>
-              <a:t>dict_countries</a:t>
-            </a:r>
-            <a:r>
-              <a:rPr lang="en-GB" dirty="0"/>
-              <a:t>:</a:t>
-            </a:r>
-          </a:p>
-          <a:p>
-            <a:pPr marL="0" indent="0">
-              <a:buNone/>
-            </a:pPr>
-            <a:r>
-              <a:rPr lang="en-GB" dirty="0"/>
-              <a:t>    print("{} is the capital of {}".format(</a:t>
-            </a:r>
-            <a:r>
-              <a:rPr lang="en-GB" dirty="0" err="1"/>
-              <a:t>dict_countries</a:t>
-            </a:r>
-            <a:r>
-              <a:rPr lang="en-GB" dirty="0"/>
-              <a:t>[city],city))</a:t>
-            </a:r>
-          </a:p>
-          <a:p>
-            <a:endParaRPr lang="en-GB" dirty="0"/>
+              <a:rPr lang="en-GB" dirty="0"/>
+              <a:t>Practice – tuple_list_set_dictonary.py</a:t>
+            </a:r>
           </a:p>
         </p:txBody>
       </p:sp>
@@ -7684,25 +7731,25 @@
           <a:lstStyle/>
           <a:p>
             <a:r>
-              <a:rPr lang="en-GB" dirty="0"/>
+              <a:rPr lang="en-GB" sz="3000" dirty="0"/>
               <a:t>Reusable code</a:t>
             </a:r>
           </a:p>
           <a:p>
             <a:r>
-              <a:rPr lang="en-GB" dirty="0"/>
+              <a:rPr lang="en-GB" sz="3000" dirty="0"/>
               <a:t>Makes code easier to read</a:t>
             </a:r>
           </a:p>
           <a:p>
             <a:r>
-              <a:rPr lang="en-GB" dirty="0"/>
+              <a:rPr lang="en-GB" sz="3000" dirty="0"/>
               <a:t>Function names are lowercase with an underscore used to separate each word</a:t>
             </a:r>
           </a:p>
           <a:p>
             <a:r>
-              <a:rPr lang="en-GB" dirty="0"/>
+              <a:rPr lang="en-GB" sz="3000" dirty="0"/>
               <a:t>Function definition should contain docstring</a:t>
             </a:r>
           </a:p>
@@ -7710,22 +7757,22 @@
             <a:pPr marL="0" indent="0">
               <a:buNone/>
             </a:pPr>
-            <a:endParaRPr lang="en-GB" dirty="0"/>
+            <a:endParaRPr lang="en-GB" sz="3000" dirty="0"/>
           </a:p>
           <a:p>
             <a:pPr marL="0" indent="0">
               <a:buNone/>
             </a:pPr>
             <a:r>
-              <a:rPr lang="en-GB" dirty="0"/>
+              <a:rPr lang="en-GB" sz="3000" dirty="0"/>
               <a:t>def </a:t>
             </a:r>
             <a:r>
-              <a:rPr lang="en-GB" dirty="0" err="1"/>
+              <a:rPr lang="en-GB" sz="3000" dirty="0" err="1"/>
               <a:t>function_name</a:t>
             </a:r>
             <a:r>
-              <a:rPr lang="en-GB" dirty="0"/>
+              <a:rPr lang="en-GB" sz="3000" dirty="0"/>
               <a:t>():</a:t>
             </a:r>
           </a:p>
@@ -7734,7 +7781,7 @@
               <a:buNone/>
             </a:pPr>
             <a:r>
-              <a:rPr lang="en-GB" dirty="0"/>
+              <a:rPr lang="en-GB" sz="3000" dirty="0"/>
               <a:t>     """Compute the square root of a number.</a:t>
             </a:r>
           </a:p>
@@ -7743,10 +7790,10 @@
               <a:buNone/>
             </a:pPr>
             <a:br>
-              <a:rPr lang="en-GB" dirty="0"/>
+              <a:rPr lang="en-GB" sz="3000" dirty="0"/>
             </a:br>
             <a:r>
-              <a:rPr lang="en-GB" dirty="0"/>
+              <a:rPr lang="en-GB" sz="3000" dirty="0"/>
               <a:t>    Parameters</a:t>
             </a:r>
           </a:p>
@@ -7755,7 +7802,7 @@
               <a:buNone/>
             </a:pPr>
             <a:r>
-              <a:rPr lang="en-GB" dirty="0"/>
+              <a:rPr lang="en-GB" sz="3000" dirty="0"/>
               <a:t>    ---------------</a:t>
             </a:r>
           </a:p>
@@ -7764,7 +7811,7 @@
               <a:buNone/>
             </a:pPr>
             <a:r>
-              <a:rPr lang="en-GB" dirty="0"/>
+              <a:rPr lang="en-GB" sz="3000" dirty="0"/>
               <a:t>    x : integer</a:t>
             </a:r>
           </a:p>
@@ -7773,10 +7820,10 @@
               <a:buNone/>
             </a:pPr>
             <a:br>
-              <a:rPr lang="en-GB" dirty="0"/>
+              <a:rPr lang="en-GB" sz="3000" dirty="0"/>
             </a:br>
             <a:r>
-              <a:rPr lang="en-GB" dirty="0"/>
+              <a:rPr lang="en-GB" sz="3000" dirty="0"/>
               <a:t>    Returns</a:t>
             </a:r>
           </a:p>
@@ -7785,7 +7832,7 @@
               <a:buNone/>
             </a:pPr>
             <a:r>
-              <a:rPr lang="en-GB" dirty="0"/>
+              <a:rPr lang="en-GB" sz="3000" dirty="0"/>
               <a:t>    --------</a:t>
             </a:r>
           </a:p>
@@ -7794,7 +7841,7 @@
               <a:buNone/>
             </a:pPr>
             <a:r>
-              <a:rPr lang="en-GB" dirty="0"/>
+              <a:rPr lang="en-GB" sz="3000" dirty="0"/>
               <a:t>    y: integer</a:t>
             </a:r>
           </a:p>
@@ -7803,7 +7850,7 @@
               <a:buNone/>
             </a:pPr>
             <a:r>
-              <a:rPr lang="en-GB" dirty="0"/>
+              <a:rPr lang="en-GB" sz="3000" dirty="0"/>
               <a:t>    """</a:t>
             </a:r>
           </a:p>
@@ -7812,7 +7859,7 @@
               <a:buNone/>
             </a:pPr>
             <a:r>
-              <a:rPr lang="en-GB" dirty="0"/>
+              <a:rPr lang="en-GB" sz="3000" dirty="0"/>
               <a:t>    body of function</a:t>
             </a:r>
           </a:p>
@@ -7820,12 +7867,15 @@
             <a:pPr marL="0" indent="0">
               <a:buNone/>
             </a:pPr>
-            <a:endParaRPr lang="en-GB" dirty="0"/>
-          </a:p>
-          <a:p>
-            <a:r>
-              <a:rPr lang="en-GB" dirty="0"/>
-              <a:t>Practice creating your own function</a:t>
+            <a:endParaRPr lang="en-GB" sz="3000" dirty="0"/>
+          </a:p>
+          <a:p>
+            <a:pPr marL="0" indent="0">
+              <a:buNone/>
+            </a:pPr>
+            <a:r>
+              <a:rPr lang="en-GB" sz="3000" dirty="0"/>
+              <a:t>Practice – modules_and_functions.py</a:t>
             </a:r>
           </a:p>
           <a:p>
